--- a/地震.pptx
+++ b/地震.pptx
@@ -6,6 +6,7 @@
   </p:sldMasterIdLst>
   <p:sldIdLst>
     <p:sldId id="256" r:id="rId3"/>
+    <p:sldId id="257" r:id="rId4"/>
   </p:sldIdLst>
   <p:sldSz cx="12192000" cy="6858000"/>
   <p:notesSz cx="7103745" cy="10234295"/>
@@ -3636,6 +3637,709 @@
 </p:sld>
 </file>
 
+<file path=ppt/slides/slide2.xml><?xml version="1.0" encoding="utf-8"?>
+<p:sld xmlns:a="http://schemas.openxmlformats.org/drawingml/2006/main" xmlns:r="http://schemas.openxmlformats.org/officeDocument/2006/relationships" xmlns:p="http://schemas.openxmlformats.org/presentationml/2006/main">
+  <p:cSld>
+    <p:bg>
+      <p:bgPr>
+        <a:solidFill>
+          <a:schemeClr val="bg1"/>
+        </a:solidFill>
+        <a:effectLst/>
+      </p:bgPr>
+    </p:bg>
+    <p:spTree>
+      <p:nvGrpSpPr>
+        <p:cNvPr id="1" name=""/>
+        <p:cNvGrpSpPr/>
+        <p:nvPr/>
+      </p:nvGrpSpPr>
+      <p:grpSpPr/>
+      <p:sp>
+        <p:nvSpPr>
+          <p:cNvPr id="17" name="矩形 16"/>
+          <p:cNvSpPr/>
+          <p:nvPr/>
+        </p:nvSpPr>
+        <p:spPr>
+          <a:xfrm>
+            <a:off x="6392545" y="2839720"/>
+            <a:ext cx="1473835" cy="461645"/>
+          </a:xfrm>
+          <a:prstGeom prst="rect">
+            <a:avLst/>
+          </a:prstGeom>
+          <a:solidFill>
+            <a:schemeClr val="bg1"/>
+          </a:solidFill>
+          <a:ln>
+            <a:noFill/>
+          </a:ln>
+        </p:spPr>
+        <p:style>
+          <a:lnRef idx="2">
+            <a:schemeClr val="accent1">
+              <a:shade val="50000"/>
+            </a:schemeClr>
+          </a:lnRef>
+          <a:fillRef idx="1">
+            <a:schemeClr val="accent1"/>
+          </a:fillRef>
+          <a:effectRef idx="0">
+            <a:schemeClr val="accent1"/>
+          </a:effectRef>
+          <a:fontRef idx="minor">
+            <a:schemeClr val="lt1"/>
+          </a:fontRef>
+        </p:style>
+        <p:txBody>
+          <a:bodyPr rtlCol="0" anchor="ctr"/>
+          <a:p>
+            <a:pPr algn="ctr"/>
+            <a:r>
+              <a:rPr lang="zh-CN" altLang="en-US">
+                <a:solidFill>
+                  <a:schemeClr val="tx1"/>
+                </a:solidFill>
+              </a:rPr>
+              <a:t>概率</a:t>
+            </a:r>
+            <a:r>
+              <a:rPr lang="en-US" altLang="zh-CN">
+                <a:solidFill>
+                  <a:schemeClr val="tx1"/>
+                </a:solidFill>
+              </a:rPr>
+              <a:t>81.58</a:t>
+            </a:r>
+            <a:r>
+              <a:rPr lang="en-US" altLang="zh-CN">
+                <a:solidFill>
+                  <a:schemeClr val="tx1"/>
+                </a:solidFill>
+              </a:rPr>
+              <a:t>%</a:t>
+            </a:r>
+            <a:endParaRPr lang="en-US" altLang="zh-CN">
+              <a:solidFill>
+                <a:schemeClr val="tx1"/>
+              </a:solidFill>
+            </a:endParaRPr>
+          </a:p>
+        </p:txBody>
+      </p:sp>
+      <p:sp>
+        <p:nvSpPr>
+          <p:cNvPr id="14" name="矩形 13"/>
+          <p:cNvSpPr/>
+          <p:nvPr/>
+        </p:nvSpPr>
+        <p:spPr>
+          <a:xfrm>
+            <a:off x="3258820" y="3643630"/>
+            <a:ext cx="1473835" cy="461645"/>
+          </a:xfrm>
+          <a:prstGeom prst="rect">
+            <a:avLst/>
+          </a:prstGeom>
+          <a:solidFill>
+            <a:schemeClr val="bg1"/>
+          </a:solidFill>
+          <a:ln>
+            <a:noFill/>
+          </a:ln>
+        </p:spPr>
+        <p:style>
+          <a:lnRef idx="2">
+            <a:schemeClr val="accent1">
+              <a:shade val="50000"/>
+            </a:schemeClr>
+          </a:lnRef>
+          <a:fillRef idx="1">
+            <a:schemeClr val="accent1"/>
+          </a:fillRef>
+          <a:effectRef idx="0">
+            <a:schemeClr val="accent1"/>
+          </a:effectRef>
+          <a:fontRef idx="minor">
+            <a:schemeClr val="lt1"/>
+          </a:fontRef>
+        </p:style>
+        <p:txBody>
+          <a:bodyPr rtlCol="0" anchor="ctr"/>
+          <a:p>
+            <a:pPr algn="ctr"/>
+            <a:r>
+              <a:rPr lang="zh-CN" altLang="en-US">
+                <a:solidFill>
+                  <a:schemeClr val="tx1"/>
+                </a:solidFill>
+              </a:rPr>
+              <a:t>概率</a:t>
+            </a:r>
+            <a:r>
+              <a:rPr lang="en-US" altLang="zh-CN">
+                <a:solidFill>
+                  <a:schemeClr val="tx1"/>
+                </a:solidFill>
+              </a:rPr>
+              <a:t>76.44</a:t>
+            </a:r>
+            <a:r>
+              <a:rPr lang="en-US" altLang="zh-CN">
+                <a:solidFill>
+                  <a:schemeClr val="tx1"/>
+                </a:solidFill>
+              </a:rPr>
+              <a:t>%</a:t>
+            </a:r>
+            <a:endParaRPr lang="en-US" altLang="zh-CN">
+              <a:solidFill>
+                <a:schemeClr val="tx1"/>
+              </a:solidFill>
+            </a:endParaRPr>
+          </a:p>
+        </p:txBody>
+      </p:sp>
+      <p:sp>
+        <p:nvSpPr>
+          <p:cNvPr id="12" name="矩形 11"/>
+          <p:cNvSpPr/>
+          <p:nvPr/>
+        </p:nvSpPr>
+        <p:spPr>
+          <a:xfrm>
+            <a:off x="6392545" y="1231900"/>
+            <a:ext cx="1473835" cy="461645"/>
+          </a:xfrm>
+          <a:prstGeom prst="rect">
+            <a:avLst/>
+          </a:prstGeom>
+          <a:solidFill>
+            <a:schemeClr val="bg1"/>
+          </a:solidFill>
+          <a:ln>
+            <a:noFill/>
+          </a:ln>
+        </p:spPr>
+        <p:style>
+          <a:lnRef idx="2">
+            <a:schemeClr val="accent1">
+              <a:shade val="50000"/>
+            </a:schemeClr>
+          </a:lnRef>
+          <a:fillRef idx="1">
+            <a:schemeClr val="accent1"/>
+          </a:fillRef>
+          <a:effectRef idx="0">
+            <a:schemeClr val="accent1"/>
+          </a:effectRef>
+          <a:fontRef idx="minor">
+            <a:schemeClr val="lt1"/>
+          </a:fontRef>
+        </p:style>
+        <p:txBody>
+          <a:bodyPr rtlCol="0" anchor="ctr"/>
+          <a:p>
+            <a:pPr algn="ctr"/>
+            <a:r>
+              <a:rPr lang="zh-CN" altLang="en-US">
+                <a:solidFill>
+                  <a:schemeClr val="tx1"/>
+                </a:solidFill>
+              </a:rPr>
+              <a:t>概率</a:t>
+            </a:r>
+            <a:r>
+              <a:rPr lang="en-US" altLang="zh-CN">
+                <a:solidFill>
+                  <a:schemeClr val="tx1"/>
+                </a:solidFill>
+              </a:rPr>
+              <a:t>18.42</a:t>
+            </a:r>
+            <a:r>
+              <a:rPr lang="en-US" altLang="zh-CN">
+                <a:solidFill>
+                  <a:schemeClr val="tx1"/>
+                </a:solidFill>
+              </a:rPr>
+              <a:t>%</a:t>
+            </a:r>
+            <a:endParaRPr lang="en-US" altLang="zh-CN">
+              <a:solidFill>
+                <a:schemeClr val="tx1"/>
+              </a:solidFill>
+            </a:endParaRPr>
+          </a:p>
+        </p:txBody>
+      </p:sp>
+      <p:sp>
+        <p:nvSpPr>
+          <p:cNvPr id="10" name="矩形 9"/>
+          <p:cNvSpPr/>
+          <p:nvPr/>
+        </p:nvSpPr>
+        <p:spPr>
+          <a:xfrm>
+            <a:off x="3258820" y="2036445"/>
+            <a:ext cx="1473835" cy="461645"/>
+          </a:xfrm>
+          <a:prstGeom prst="rect">
+            <a:avLst/>
+          </a:prstGeom>
+          <a:solidFill>
+            <a:schemeClr val="bg1"/>
+          </a:solidFill>
+          <a:ln>
+            <a:noFill/>
+          </a:ln>
+        </p:spPr>
+        <p:style>
+          <a:lnRef idx="2">
+            <a:schemeClr val="accent1">
+              <a:shade val="50000"/>
+            </a:schemeClr>
+          </a:lnRef>
+          <a:fillRef idx="1">
+            <a:schemeClr val="accent1"/>
+          </a:fillRef>
+          <a:effectRef idx="0">
+            <a:schemeClr val="accent1"/>
+          </a:effectRef>
+          <a:fontRef idx="minor">
+            <a:schemeClr val="lt1"/>
+          </a:fontRef>
+        </p:style>
+        <p:txBody>
+          <a:bodyPr rtlCol="0" anchor="ctr"/>
+          <a:p>
+            <a:pPr algn="ctr"/>
+            <a:r>
+              <a:rPr lang="zh-CN" altLang="en-US">
+                <a:solidFill>
+                  <a:schemeClr val="tx1"/>
+                </a:solidFill>
+              </a:rPr>
+              <a:t>概率</a:t>
+            </a:r>
+            <a:r>
+              <a:rPr lang="en-US" altLang="zh-CN">
+                <a:solidFill>
+                  <a:schemeClr val="tx1"/>
+                </a:solidFill>
+              </a:rPr>
+              <a:t>23.56%</a:t>
+            </a:r>
+            <a:endParaRPr lang="en-US" altLang="zh-CN">
+              <a:solidFill>
+                <a:schemeClr val="tx1"/>
+              </a:solidFill>
+            </a:endParaRPr>
+          </a:p>
+        </p:txBody>
+      </p:sp>
+      <p:sp>
+        <p:nvSpPr>
+          <p:cNvPr id="4" name="圆角矩形 3"/>
+          <p:cNvSpPr/>
+          <p:nvPr/>
+        </p:nvSpPr>
+        <p:spPr>
+          <a:xfrm>
+            <a:off x="1800225" y="2668905"/>
+            <a:ext cx="2084070" cy="803910"/>
+          </a:xfrm>
+          <a:prstGeom prst="roundRect">
+            <a:avLst/>
+          </a:prstGeom>
+        </p:spPr>
+        <p:style>
+          <a:lnRef idx="2">
+            <a:schemeClr val="accent6"/>
+          </a:lnRef>
+          <a:fillRef idx="1">
+            <a:schemeClr val="lt1"/>
+          </a:fillRef>
+          <a:effectRef idx="0">
+            <a:schemeClr val="accent6"/>
+          </a:effectRef>
+          <a:fontRef idx="minor">
+            <a:schemeClr val="dk1"/>
+          </a:fontRef>
+        </p:style>
+        <p:txBody>
+          <a:bodyPr rtlCol="0" anchor="ctr"/>
+          <a:p>
+            <a:pPr algn="ctr"/>
+            <a:r>
+              <a:rPr lang="en-US" altLang="zh-CN"/>
+              <a:t>2</a:t>
+            </a:r>
+            <a:r>
+              <a:rPr lang="zh-CN" altLang="en-US"/>
+              <a:t>级以上地震</a:t>
+            </a:r>
+            <a:endParaRPr lang="zh-CN" altLang="en-US"/>
+          </a:p>
+        </p:txBody>
+      </p:sp>
+      <p:sp>
+        <p:nvSpPr>
+          <p:cNvPr id="5" name="圆角矩形 4"/>
+          <p:cNvSpPr/>
+          <p:nvPr/>
+        </p:nvSpPr>
+        <p:spPr>
+          <a:xfrm>
+            <a:off x="4972050" y="1864995"/>
+            <a:ext cx="2084070" cy="803910"/>
+          </a:xfrm>
+          <a:prstGeom prst="roundRect">
+            <a:avLst/>
+          </a:prstGeom>
+        </p:spPr>
+        <p:style>
+          <a:lnRef idx="2">
+            <a:schemeClr val="accent6"/>
+          </a:lnRef>
+          <a:fillRef idx="1">
+            <a:schemeClr val="lt1"/>
+          </a:fillRef>
+          <a:effectRef idx="0">
+            <a:schemeClr val="accent6"/>
+          </a:effectRef>
+          <a:fontRef idx="minor">
+            <a:schemeClr val="dk1"/>
+          </a:fontRef>
+        </p:style>
+        <p:txBody>
+          <a:bodyPr rtlCol="0" anchor="ctr"/>
+          <a:p>
+            <a:pPr algn="ctr"/>
+            <a:r>
+              <a:rPr lang="en-US" altLang="zh-CN"/>
+              <a:t>3</a:t>
+            </a:r>
+            <a:r>
+              <a:rPr lang="zh-CN" altLang="en-US"/>
+              <a:t>级以上地震</a:t>
+            </a:r>
+            <a:endParaRPr lang="zh-CN" altLang="en-US"/>
+          </a:p>
+        </p:txBody>
+      </p:sp>
+      <p:sp>
+        <p:nvSpPr>
+          <p:cNvPr id="6" name="圆角矩形 5"/>
+          <p:cNvSpPr/>
+          <p:nvPr/>
+        </p:nvSpPr>
+        <p:spPr>
+          <a:xfrm>
+            <a:off x="4972050" y="3472815"/>
+            <a:ext cx="2084070" cy="803910"/>
+          </a:xfrm>
+          <a:prstGeom prst="roundRect">
+            <a:avLst/>
+          </a:prstGeom>
+        </p:spPr>
+        <p:style>
+          <a:lnRef idx="2">
+            <a:schemeClr val="accent6"/>
+          </a:lnRef>
+          <a:fillRef idx="1">
+            <a:schemeClr val="lt1"/>
+          </a:fillRef>
+          <a:effectRef idx="0">
+            <a:schemeClr val="accent6"/>
+          </a:effectRef>
+          <a:fontRef idx="minor">
+            <a:schemeClr val="dk1"/>
+          </a:fontRef>
+        </p:style>
+        <p:txBody>
+          <a:bodyPr rtlCol="0" anchor="ctr"/>
+          <a:p>
+            <a:pPr algn="ctr"/>
+            <a:r>
+              <a:rPr lang="en-US" altLang="zh-CN"/>
+              <a:t>3</a:t>
+            </a:r>
+            <a:r>
+              <a:rPr lang="zh-CN" altLang="en-US"/>
+              <a:t>级以内</a:t>
+            </a:r>
+            <a:r>
+              <a:rPr lang="zh-CN" altLang="en-US"/>
+              <a:t>地震</a:t>
+            </a:r>
+            <a:endParaRPr lang="zh-CN" altLang="en-US"/>
+          </a:p>
+        </p:txBody>
+      </p:sp>
+      <p:sp>
+        <p:nvSpPr>
+          <p:cNvPr id="7" name="圆角矩形 6"/>
+          <p:cNvSpPr/>
+          <p:nvPr/>
+        </p:nvSpPr>
+        <p:spPr>
+          <a:xfrm>
+            <a:off x="8053705" y="1061085"/>
+            <a:ext cx="2084070" cy="803910"/>
+          </a:xfrm>
+          <a:prstGeom prst="roundRect">
+            <a:avLst/>
+          </a:prstGeom>
+        </p:spPr>
+        <p:style>
+          <a:lnRef idx="2">
+            <a:schemeClr val="accent6"/>
+          </a:lnRef>
+          <a:fillRef idx="1">
+            <a:schemeClr val="lt1"/>
+          </a:fillRef>
+          <a:effectRef idx="0">
+            <a:schemeClr val="accent6"/>
+          </a:effectRef>
+          <a:fontRef idx="minor">
+            <a:schemeClr val="dk1"/>
+          </a:fontRef>
+        </p:style>
+        <p:txBody>
+          <a:bodyPr rtlCol="0" anchor="ctr"/>
+          <a:p>
+            <a:pPr algn="ctr"/>
+            <a:r>
+              <a:rPr lang="en-US" altLang="zh-CN"/>
+              <a:t>4</a:t>
+            </a:r>
+            <a:r>
+              <a:rPr lang="zh-CN" altLang="en-US"/>
+              <a:t>级以上地震</a:t>
+            </a:r>
+            <a:endParaRPr lang="zh-CN" altLang="en-US"/>
+          </a:p>
+        </p:txBody>
+      </p:sp>
+      <p:cxnSp>
+        <p:nvCxnSpPr>
+          <p:cNvPr id="9" name="直接箭头连接符 8"/>
+          <p:cNvCxnSpPr>
+            <a:stCxn id="4" idx="3"/>
+            <a:endCxn id="5" idx="1"/>
+          </p:cNvCxnSpPr>
+          <p:nvPr/>
+        </p:nvCxnSpPr>
+        <p:spPr>
+          <a:xfrm flipV="1">
+            <a:off x="3884295" y="2266950"/>
+            <a:ext cx="1087755" cy="803910"/>
+          </a:xfrm>
+          <a:prstGeom prst="straightConnector1">
+            <a:avLst/>
+          </a:prstGeom>
+          <a:ln>
+            <a:tailEnd type="arrow"/>
+          </a:ln>
+        </p:spPr>
+        <p:style>
+          <a:lnRef idx="1">
+            <a:schemeClr val="accent1"/>
+          </a:lnRef>
+          <a:fillRef idx="0">
+            <a:schemeClr val="accent1"/>
+          </a:fillRef>
+          <a:effectRef idx="0">
+            <a:schemeClr val="accent1"/>
+          </a:effectRef>
+          <a:fontRef idx="minor">
+            <a:schemeClr val="tx1"/>
+          </a:fontRef>
+        </p:style>
+      </p:cxnSp>
+      <p:cxnSp>
+        <p:nvCxnSpPr>
+          <p:cNvPr id="11" name="直接箭头连接符 10"/>
+          <p:cNvCxnSpPr>
+            <a:stCxn id="5" idx="3"/>
+            <a:endCxn id="7" idx="1"/>
+          </p:cNvCxnSpPr>
+          <p:nvPr/>
+        </p:nvCxnSpPr>
+        <p:spPr>
+          <a:xfrm flipV="1">
+            <a:off x="7056120" y="1463040"/>
+            <a:ext cx="997585" cy="803910"/>
+          </a:xfrm>
+          <a:prstGeom prst="straightConnector1">
+            <a:avLst/>
+          </a:prstGeom>
+          <a:ln>
+            <a:tailEnd type="arrow"/>
+          </a:ln>
+        </p:spPr>
+        <p:style>
+          <a:lnRef idx="1">
+            <a:schemeClr val="accent1"/>
+          </a:lnRef>
+          <a:fillRef idx="0">
+            <a:schemeClr val="accent1"/>
+          </a:fillRef>
+          <a:effectRef idx="0">
+            <a:schemeClr val="accent1"/>
+          </a:effectRef>
+          <a:fontRef idx="minor">
+            <a:schemeClr val="tx1"/>
+          </a:fontRef>
+        </p:style>
+      </p:cxnSp>
+      <p:cxnSp>
+        <p:nvCxnSpPr>
+          <p:cNvPr id="13" name="直接箭头连接符 12"/>
+          <p:cNvCxnSpPr>
+            <a:stCxn id="4" idx="3"/>
+            <a:endCxn id="6" idx="1"/>
+          </p:cNvCxnSpPr>
+          <p:nvPr/>
+        </p:nvCxnSpPr>
+        <p:spPr>
+          <a:xfrm>
+            <a:off x="3884295" y="3070860"/>
+            <a:ext cx="1087755" cy="803910"/>
+          </a:xfrm>
+          <a:prstGeom prst="straightConnector1">
+            <a:avLst/>
+          </a:prstGeom>
+          <a:ln>
+            <a:tailEnd type="arrow"/>
+          </a:ln>
+        </p:spPr>
+        <p:style>
+          <a:lnRef idx="1">
+            <a:schemeClr val="accent1"/>
+          </a:lnRef>
+          <a:fillRef idx="0">
+            <a:schemeClr val="accent1"/>
+          </a:fillRef>
+          <a:effectRef idx="0">
+            <a:schemeClr val="accent1"/>
+          </a:effectRef>
+          <a:fontRef idx="minor">
+            <a:schemeClr val="tx1"/>
+          </a:fontRef>
+        </p:style>
+      </p:cxnSp>
+      <p:sp>
+        <p:nvSpPr>
+          <p:cNvPr id="15" name="圆角矩形 14"/>
+          <p:cNvSpPr/>
+          <p:nvPr/>
+        </p:nvSpPr>
+        <p:spPr>
+          <a:xfrm>
+            <a:off x="8053705" y="2668905"/>
+            <a:ext cx="2084070" cy="803910"/>
+          </a:xfrm>
+          <a:prstGeom prst="roundRect">
+            <a:avLst/>
+          </a:prstGeom>
+        </p:spPr>
+        <p:style>
+          <a:lnRef idx="2">
+            <a:schemeClr val="accent6"/>
+          </a:lnRef>
+          <a:fillRef idx="1">
+            <a:schemeClr val="lt1"/>
+          </a:fillRef>
+          <a:effectRef idx="0">
+            <a:schemeClr val="accent6"/>
+          </a:effectRef>
+          <a:fontRef idx="minor">
+            <a:schemeClr val="dk1"/>
+          </a:fontRef>
+        </p:style>
+        <p:txBody>
+          <a:bodyPr rtlCol="0" anchor="ctr"/>
+          <a:p>
+            <a:pPr algn="ctr"/>
+            <a:r>
+              <a:rPr lang="en-US" altLang="zh-CN"/>
+              <a:t>3</a:t>
+            </a:r>
+            <a:r>
+              <a:rPr lang="zh-CN" altLang="en-US"/>
+              <a:t>级以上</a:t>
+            </a:r>
+            <a:r>
+              <a:rPr lang="en-US" altLang="zh-CN"/>
+              <a:t>4</a:t>
+            </a:r>
+            <a:r>
+              <a:rPr lang="zh-CN" altLang="en-US"/>
+              <a:t>级以内</a:t>
+            </a:r>
+            <a:endParaRPr lang="zh-CN" altLang="en-US"/>
+          </a:p>
+        </p:txBody>
+      </p:sp>
+      <p:cxnSp>
+        <p:nvCxnSpPr>
+          <p:cNvPr id="16" name="直接箭头连接符 15"/>
+          <p:cNvCxnSpPr>
+            <a:stCxn id="5" idx="3"/>
+            <a:endCxn id="15" idx="1"/>
+          </p:cNvCxnSpPr>
+          <p:nvPr/>
+        </p:nvCxnSpPr>
+        <p:spPr>
+          <a:xfrm>
+            <a:off x="7056120" y="2266950"/>
+            <a:ext cx="997585" cy="803910"/>
+          </a:xfrm>
+          <a:prstGeom prst="straightConnector1">
+            <a:avLst/>
+          </a:prstGeom>
+          <a:ln>
+            <a:tailEnd type="arrow"/>
+          </a:ln>
+        </p:spPr>
+        <p:style>
+          <a:lnRef idx="1">
+            <a:schemeClr val="accent1"/>
+          </a:lnRef>
+          <a:fillRef idx="0">
+            <a:schemeClr val="accent1"/>
+          </a:fillRef>
+          <a:effectRef idx="0">
+            <a:schemeClr val="accent1"/>
+          </a:effectRef>
+          <a:fontRef idx="minor">
+            <a:schemeClr val="tx1"/>
+          </a:fontRef>
+        </p:style>
+      </p:cxnSp>
+    </p:spTree>
+  </p:cSld>
+  <p:clrMapOvr>
+    <a:masterClrMapping/>
+  </p:clrMapOvr>
+  <mc:AlternateContent xmlns:mc="http://schemas.openxmlformats.org/markup-compatibility/2006">
+    <mc:Choice xmlns:p14="http://schemas.microsoft.com/office/powerpoint/2010/main" Requires="p14">
+      <p:transition p14:dur="250">
+        <p:fade/>
+      </p:transition>
+    </mc:Choice>
+    <mc:Fallback>
+      <p:transition>
+        <p:fade/>
+      </p:transition>
+    </mc:Fallback>
+  </mc:AlternateContent>
+</p:sld>
+</file>
+
 <file path=ppt/theme/theme1.xml><?xml version="1.0" encoding="utf-8"?>
 <a:theme xmlns:a="http://schemas.openxmlformats.org/drawingml/2006/main" name="Office 主题">
   <a:themeElements>
